--- a/수조.pptx
+++ b/수조.pptx
@@ -264,7 +264,7 @@
           <a:p>
             <a:fld id="{6C9EBD3D-531D-41BB-91BD-17291AFC51EB}" type="datetimeFigureOut">
               <a:rPr lang="ko-KR" altLang="en-US" smtClean="0"/>
-              <a:t>2024-09-26</a:t>
+              <a:t>2024-09-27</a:t>
             </a:fld>
             <a:endParaRPr lang="ko-KR" altLang="en-US"/>
           </a:p>
@@ -462,7 +462,7 @@
           <a:p>
             <a:fld id="{6C9EBD3D-531D-41BB-91BD-17291AFC51EB}" type="datetimeFigureOut">
               <a:rPr lang="ko-KR" altLang="en-US" smtClean="0"/>
-              <a:t>2024-09-26</a:t>
+              <a:t>2024-09-27</a:t>
             </a:fld>
             <a:endParaRPr lang="ko-KR" altLang="en-US"/>
           </a:p>
@@ -670,7 +670,7 @@
           <a:p>
             <a:fld id="{6C9EBD3D-531D-41BB-91BD-17291AFC51EB}" type="datetimeFigureOut">
               <a:rPr lang="ko-KR" altLang="en-US" smtClean="0"/>
-              <a:t>2024-09-26</a:t>
+              <a:t>2024-09-27</a:t>
             </a:fld>
             <a:endParaRPr lang="ko-KR" altLang="en-US"/>
           </a:p>
@@ -868,7 +868,7 @@
           <a:p>
             <a:fld id="{6C9EBD3D-531D-41BB-91BD-17291AFC51EB}" type="datetimeFigureOut">
               <a:rPr lang="ko-KR" altLang="en-US" smtClean="0"/>
-              <a:t>2024-09-26</a:t>
+              <a:t>2024-09-27</a:t>
             </a:fld>
             <a:endParaRPr lang="ko-KR" altLang="en-US"/>
           </a:p>
@@ -1143,7 +1143,7 @@
           <a:p>
             <a:fld id="{6C9EBD3D-531D-41BB-91BD-17291AFC51EB}" type="datetimeFigureOut">
               <a:rPr lang="ko-KR" altLang="en-US" smtClean="0"/>
-              <a:t>2024-09-26</a:t>
+              <a:t>2024-09-27</a:t>
             </a:fld>
             <a:endParaRPr lang="ko-KR" altLang="en-US"/>
           </a:p>
@@ -1408,7 +1408,7 @@
           <a:p>
             <a:fld id="{6C9EBD3D-531D-41BB-91BD-17291AFC51EB}" type="datetimeFigureOut">
               <a:rPr lang="ko-KR" altLang="en-US" smtClean="0"/>
-              <a:t>2024-09-26</a:t>
+              <a:t>2024-09-27</a:t>
             </a:fld>
             <a:endParaRPr lang="ko-KR" altLang="en-US"/>
           </a:p>
@@ -1820,7 +1820,7 @@
           <a:p>
             <a:fld id="{6C9EBD3D-531D-41BB-91BD-17291AFC51EB}" type="datetimeFigureOut">
               <a:rPr lang="ko-KR" altLang="en-US" smtClean="0"/>
-              <a:t>2024-09-26</a:t>
+              <a:t>2024-09-27</a:t>
             </a:fld>
             <a:endParaRPr lang="ko-KR" altLang="en-US"/>
           </a:p>
@@ -1961,7 +1961,7 @@
           <a:p>
             <a:fld id="{6C9EBD3D-531D-41BB-91BD-17291AFC51EB}" type="datetimeFigureOut">
               <a:rPr lang="ko-KR" altLang="en-US" smtClean="0"/>
-              <a:t>2024-09-26</a:t>
+              <a:t>2024-09-27</a:t>
             </a:fld>
             <a:endParaRPr lang="ko-KR" altLang="en-US"/>
           </a:p>
@@ -2074,7 +2074,7 @@
           <a:p>
             <a:fld id="{6C9EBD3D-531D-41BB-91BD-17291AFC51EB}" type="datetimeFigureOut">
               <a:rPr lang="ko-KR" altLang="en-US" smtClean="0"/>
-              <a:t>2024-09-26</a:t>
+              <a:t>2024-09-27</a:t>
             </a:fld>
             <a:endParaRPr lang="ko-KR" altLang="en-US"/>
           </a:p>
@@ -2385,7 +2385,7 @@
           <a:p>
             <a:fld id="{6C9EBD3D-531D-41BB-91BD-17291AFC51EB}" type="datetimeFigureOut">
               <a:rPr lang="ko-KR" altLang="en-US" smtClean="0"/>
-              <a:t>2024-09-26</a:t>
+              <a:t>2024-09-27</a:t>
             </a:fld>
             <a:endParaRPr lang="ko-KR" altLang="en-US"/>
           </a:p>
@@ -2673,7 +2673,7 @@
           <a:p>
             <a:fld id="{6C9EBD3D-531D-41BB-91BD-17291AFC51EB}" type="datetimeFigureOut">
               <a:rPr lang="ko-KR" altLang="en-US" smtClean="0"/>
-              <a:t>2024-09-26</a:t>
+              <a:t>2024-09-27</a:t>
             </a:fld>
             <a:endParaRPr lang="ko-KR" altLang="en-US"/>
           </a:p>
@@ -2914,7 +2914,7 @@
           <a:p>
             <a:fld id="{6C9EBD3D-531D-41BB-91BD-17291AFC51EB}" type="datetimeFigureOut">
               <a:rPr lang="ko-KR" altLang="en-US" smtClean="0"/>
-              <a:t>2024-09-26</a:t>
+              <a:t>2024-09-27</a:t>
             </a:fld>
             <a:endParaRPr lang="ko-KR" altLang="en-US"/>
           </a:p>
@@ -3481,7 +3481,7 @@
             </a:r>
             <a:r>
               <a:rPr lang="ko-KR" altLang="en-US" dirty="0"/>
-              <a:t>홍</a:t>
+              <a:t>홍 </a:t>
             </a:r>
             <a:endParaRPr lang="en-US" altLang="ko-KR" dirty="0"/>
           </a:p>
@@ -3524,7 +3524,15 @@
             </a:r>
             <a:r>
               <a:rPr lang="ko-KR" altLang="en-US" dirty="0"/>
-              <a:t>공격 등등</a:t>
+              <a:t>공격</a:t>
+            </a:r>
+            <a:r>
+              <a:rPr lang="en-US" altLang="ko-KR" dirty="0"/>
+              <a:t>, </a:t>
+            </a:r>
+            <a:r>
+              <a:rPr lang="ko-KR" altLang="en-US" dirty="0"/>
+              <a:t>장착</a:t>
             </a:r>
             <a:r>
               <a:rPr lang="en-US" altLang="ko-KR" dirty="0"/>
@@ -3532,7 +3540,7 @@
             </a:r>
             <a:r>
               <a:rPr lang="ko-KR" altLang="en-US" dirty="0"/>
-              <a:t>홍</a:t>
+              <a:t>홍 이어서</a:t>
             </a:r>
             <a:endParaRPr lang="en-US" altLang="ko-KR" dirty="0"/>
           </a:p>
@@ -3559,7 +3567,7 @@
             </a:r>
             <a:r>
               <a:rPr lang="ko-KR" altLang="en-US" dirty="0"/>
-              <a:t>이</a:t>
+              <a:t>이 </a:t>
             </a:r>
             <a:endParaRPr lang="en-US" altLang="ko-KR" dirty="0"/>
           </a:p>
@@ -3581,7 +3589,7 @@
             </a:r>
             <a:r>
               <a:rPr lang="ko-KR" altLang="en-US" dirty="0"/>
-              <a:t>차</a:t>
+              <a:t>박</a:t>
             </a:r>
             <a:endParaRPr lang="en-US" altLang="ko-KR" dirty="0"/>
           </a:p>
@@ -3592,7 +3600,7 @@
             </a:r>
             <a:r>
               <a:rPr lang="ko-KR" altLang="en-US" dirty="0"/>
-              <a:t>이</a:t>
+              <a:t>이 </a:t>
             </a:r>
             <a:endParaRPr lang="en-US" altLang="ko-KR" dirty="0"/>
           </a:p>
@@ -3626,7 +3634,7 @@
             </a:r>
             <a:r>
               <a:rPr lang="ko-KR" altLang="en-US" dirty="0"/>
-              <a:t>나중에</a:t>
+              <a:t>이</a:t>
             </a:r>
             <a:endParaRPr lang="en-US" altLang="ko-KR" dirty="0"/>
           </a:p>
@@ -3685,7 +3693,7 @@
           <a:p>
             <a:r>
               <a:rPr lang="ko-KR" altLang="en-US" dirty="0"/>
-              <a:t>개발과정</a:t>
+              <a:t>구현파트</a:t>
             </a:r>
           </a:p>
         </p:txBody>
@@ -3717,22 +3725,25 @@
             </a:r>
             <a:r>
               <a:rPr lang="en-US" altLang="ko-KR" dirty="0"/>
+              <a:t>: Shop</a:t>
+            </a:r>
+          </a:p>
+          <a:p>
+            <a:r>
+              <a:rPr lang="ko-KR" altLang="en-US" dirty="0"/>
+              <a:t>홍</a:t>
+            </a:r>
+            <a:r>
+              <a:rPr lang="en-US" altLang="ko-KR" dirty="0"/>
               <a:t>: </a:t>
             </a:r>
             <a:r>
               <a:rPr lang="en-US" altLang="ko-KR" dirty="0" err="1"/>
               <a:t>GameManager</a:t>
             </a:r>
-            <a:endParaRPr lang="en-US" altLang="ko-KR" dirty="0"/>
-          </a:p>
-          <a:p>
-            <a:r>
-              <a:rPr lang="ko-KR" altLang="en-US" dirty="0"/>
-              <a:t>홍</a:t>
-            </a:r>
             <a:r>
               <a:rPr lang="en-US" altLang="ko-KR" dirty="0"/>
-              <a:t>:</a:t>
+              <a:t>, Player</a:t>
             </a:r>
           </a:p>
           <a:p>
@@ -3742,7 +3753,7 @@
             </a:r>
             <a:r>
               <a:rPr lang="en-US" altLang="ko-KR" dirty="0"/>
-              <a:t>:</a:t>
+              <a:t>: Monster, Inventory</a:t>
             </a:r>
           </a:p>
           <a:p>
@@ -3752,7 +3763,7 @@
             </a:r>
             <a:r>
               <a:rPr lang="en-US" altLang="ko-KR" dirty="0"/>
-              <a:t>:</a:t>
+              <a:t>: Item</a:t>
             </a:r>
             <a:endParaRPr lang="ko-KR" altLang="en-US" dirty="0"/>
           </a:p>
